--- a/mark/Lecture_1_21-22.pptx
+++ b/mark/Lecture_1_21-22.pptx
@@ -20,11 +20,11 @@
     <p:sldId id="283" r:id="rId11"/>
     <p:sldId id="280" r:id="rId12"/>
     <p:sldId id="281" r:id="rId13"/>
-    <p:sldId id="259" r:id="rId14"/>
-    <p:sldId id="269" r:id="rId15"/>
-    <p:sldId id="270" r:id="rId16"/>
-    <p:sldId id="260" r:id="rId17"/>
-    <p:sldId id="289" r:id="rId18"/>
+    <p:sldId id="269" r:id="rId14"/>
+    <p:sldId id="270" r:id="rId15"/>
+    <p:sldId id="260" r:id="rId16"/>
+    <p:sldId id="289" r:id="rId17"/>
+    <p:sldId id="259" r:id="rId18"/>
     <p:sldId id="261" r:id="rId19"/>
     <p:sldId id="273" r:id="rId20"/>
     <p:sldId id="275" r:id="rId21"/>
@@ -141,6 +141,27 @@
 </p:presentation>
 </file>
 
+<file path=ppt/changesInfos/changesInfo1.xml><?xml version="1.0" encoding="utf-8"?>
+<pc:chgInfo xmlns:a="http://schemas.openxmlformats.org/drawingml/2006/main" xmlns:r="http://schemas.openxmlformats.org/officeDocument/2006/relationships" xmlns:ac="http://schemas.microsoft.com/office/drawing/2013/main/command" xmlns:pc="http://schemas.microsoft.com/office/powerpoint/2013/main/command">
+  <pc:docChgLst>
+    <pc:chgData name="Xiaohao Cai" userId="99f43560-6d0c-4be3-8373-5d962e988eab" providerId="ADAL" clId="{741077F3-DFD3-7D4D-B75C-0A36DC44BB67}"/>
+    <pc:docChg chg="sldOrd">
+      <pc:chgData name="Xiaohao Cai" userId="99f43560-6d0c-4be3-8373-5d962e988eab" providerId="ADAL" clId="{741077F3-DFD3-7D4D-B75C-0A36DC44BB67}" dt="2021-10-05T11:52:58.840" v="1" actId="20578"/>
+      <pc:docMkLst>
+        <pc:docMk/>
+      </pc:docMkLst>
+      <pc:sldChg chg="ord">
+        <pc:chgData name="Xiaohao Cai" userId="99f43560-6d0c-4be3-8373-5d962e988eab" providerId="ADAL" clId="{741077F3-DFD3-7D4D-B75C-0A36DC44BB67}" dt="2021-10-05T11:52:58.840" v="1" actId="20578"/>
+        <pc:sldMkLst>
+          <pc:docMk/>
+          <pc:sldMk cId="3864142885" sldId="259"/>
+        </pc:sldMkLst>
+      </pc:sldChg>
+    </pc:docChg>
+  </pc:docChgLst>
+</pc:chgInfo>
+</file>
+
 <file path=ppt/notesMasters/notesMaster1.xml><?xml version="1.0" encoding="utf-8"?>
 <p:notesMaster xmlns:a="http://schemas.openxmlformats.org/drawingml/2006/main" xmlns:r="http://schemas.openxmlformats.org/officeDocument/2006/relationships" xmlns:p="http://schemas.openxmlformats.org/presentationml/2006/main">
   <p:cSld>
@@ -223,7 +244,7 @@
           <a:p>
             <a:fld id="{81EC4D38-61B9-44FD-9A77-8D7FF0483440}" type="datetimeFigureOut">
               <a:rPr lang="en-GB" smtClean="0"/>
-              <a:t>03/10/2021</a:t>
+              <a:t>05/10/2021</a:t>
             </a:fld>
             <a:endParaRPr lang="en-GB"/>
           </a:p>
@@ -649,7 +670,7 @@
     </p:spTree>
     <p:extLst>
       <p:ext uri="{BB962C8B-B14F-4D97-AF65-F5344CB8AC3E}">
-        <p14:creationId xmlns:p14="http://schemas.microsoft.com/office/powerpoint/2010/main" val="1134123278"/>
+        <p14:creationId xmlns:p14="http://schemas.microsoft.com/office/powerpoint/2010/main" val="1552304366"/>
       </p:ext>
     </p:extLst>
   </p:cSld>
@@ -733,7 +754,7 @@
     </p:spTree>
     <p:extLst>
       <p:ext uri="{BB962C8B-B14F-4D97-AF65-F5344CB8AC3E}">
-        <p14:creationId xmlns:p14="http://schemas.microsoft.com/office/powerpoint/2010/main" val="1552304366"/>
+        <p14:creationId xmlns:p14="http://schemas.microsoft.com/office/powerpoint/2010/main" val="3766627496"/>
       </p:ext>
     </p:extLst>
   </p:cSld>
@@ -787,7 +808,69 @@
           <a:bodyPr/>
           <a:lstStyle/>
           <a:p>
-            <a:endParaRPr lang="en-GB"/>
+            <a:r>
+              <a:rPr lang="en-GB" sz="1200" b="0" i="0" kern="1200" dirty="0">
+                <a:solidFill>
+                  <a:schemeClr val="tx1"/>
+                </a:solidFill>
+                <a:effectLst/>
+                <a:latin typeface="+mn-lt"/>
+                <a:ea typeface="+mn-ea"/>
+                <a:cs typeface="+mn-cs"/>
+              </a:rPr>
+              <a:t>Weber states that, "the minimum increase of stimulus which will produce a perceptible increase of sensation is </a:t>
+            </a:r>
+            <a:r>
+              <a:rPr lang="en-GB" sz="1200" b="0" i="0" u="none" strike="noStrike" kern="1200" dirty="0">
+                <a:solidFill>
+                  <a:schemeClr val="tx1"/>
+                </a:solidFill>
+                <a:effectLst/>
+                <a:latin typeface="+mn-lt"/>
+                <a:ea typeface="+mn-ea"/>
+                <a:cs typeface="+mn-cs"/>
+                <a:hlinkClick r:id="rId3" tooltip="Proportionality (mathematics)"/>
+              </a:rPr>
+              <a:t>proportional</a:t>
+            </a:r>
+            <a:r>
+              <a:rPr lang="en-GB" sz="1200" b="0" i="0" kern="1200" dirty="0">
+                <a:solidFill>
+                  <a:schemeClr val="tx1"/>
+                </a:solidFill>
+                <a:effectLst/>
+                <a:latin typeface="+mn-lt"/>
+                <a:ea typeface="+mn-ea"/>
+                <a:cs typeface="+mn-cs"/>
+              </a:rPr>
+              <a:t> to the pre-existent stimulus," while Fechner's law is an inference from Weber's law (with additional assumptions) which states that the intensity of our sensation increases as the </a:t>
+            </a:r>
+            <a:r>
+              <a:rPr lang="en-GB" sz="1200" b="0" i="0" u="none" strike="noStrike" kern="1200" dirty="0">
+                <a:solidFill>
+                  <a:schemeClr val="tx1"/>
+                </a:solidFill>
+                <a:effectLst/>
+                <a:latin typeface="+mn-lt"/>
+                <a:ea typeface="+mn-ea"/>
+                <a:cs typeface="+mn-cs"/>
+                <a:hlinkClick r:id="rId4" tooltip="Logarithm"/>
+              </a:rPr>
+              <a:t>logarithm</a:t>
+            </a:r>
+            <a:r>
+              <a:rPr lang="en-GB" sz="1200" b="0" i="0" kern="1200" dirty="0">
+                <a:solidFill>
+                  <a:schemeClr val="tx1"/>
+                </a:solidFill>
+                <a:effectLst/>
+                <a:latin typeface="+mn-lt"/>
+                <a:ea typeface="+mn-ea"/>
+                <a:cs typeface="+mn-cs"/>
+              </a:rPr>
+              <a:t> of an increase in energy rather than as rapidly as the increase.</a:t>
+            </a:r>
+            <a:endParaRPr lang="en-GB" dirty="0"/>
           </a:p>
         </p:txBody>
       </p:sp>
@@ -817,7 +900,7 @@
     </p:spTree>
     <p:extLst>
       <p:ext uri="{BB962C8B-B14F-4D97-AF65-F5344CB8AC3E}">
-        <p14:creationId xmlns:p14="http://schemas.microsoft.com/office/powerpoint/2010/main" val="3766627496"/>
+        <p14:creationId xmlns:p14="http://schemas.microsoft.com/office/powerpoint/2010/main" val="3538001243"/>
       </p:ext>
     </p:extLst>
   </p:cSld>
@@ -892,7 +975,7 @@
           <a:p>
             <a:fld id="{DB12D24D-E786-47B6-B854-07827FB55B3C}" type="slidenum">
               <a:rPr lang="en-GB" smtClean="0"/>
-              <a:t>16</a:t>
+              <a:t>17</a:t>
             </a:fld>
             <a:endParaRPr lang="en-GB"/>
           </a:p>
@@ -901,7 +984,7 @@
     </p:spTree>
     <p:extLst>
       <p:ext uri="{BB962C8B-B14F-4D97-AF65-F5344CB8AC3E}">
-        <p14:creationId xmlns:p14="http://schemas.microsoft.com/office/powerpoint/2010/main" val="3538001243"/>
+        <p14:creationId xmlns:p14="http://schemas.microsoft.com/office/powerpoint/2010/main" val="1134123278"/>
       </p:ext>
     </p:extLst>
   </p:cSld>
@@ -2006,7 +2089,7 @@
           <a:p>
             <a:fld id="{5A5316A3-9A52-4073-88E9-1F0525049C7A}" type="datetimeFigureOut">
               <a:rPr lang="en-GB" smtClean="0"/>
-              <a:t>03/10/2021</a:t>
+              <a:t>05/10/2021</a:t>
             </a:fld>
             <a:endParaRPr lang="en-GB"/>
           </a:p>
@@ -2232,7 +2315,7 @@
           <a:p>
             <a:fld id="{5A5316A3-9A52-4073-88E9-1F0525049C7A}" type="datetimeFigureOut">
               <a:rPr lang="en-GB" smtClean="0"/>
-              <a:t>03/10/2021</a:t>
+              <a:t>05/10/2021</a:t>
             </a:fld>
             <a:endParaRPr lang="en-GB"/>
           </a:p>
@@ -2412,7 +2495,7 @@
           <a:p>
             <a:fld id="{5A5316A3-9A52-4073-88E9-1F0525049C7A}" type="datetimeFigureOut">
               <a:rPr lang="en-GB" smtClean="0"/>
-              <a:t>03/10/2021</a:t>
+              <a:t>05/10/2021</a:t>
             </a:fld>
             <a:endParaRPr lang="en-GB"/>
           </a:p>
@@ -2582,7 +2665,7 @@
           <a:p>
             <a:fld id="{5A5316A3-9A52-4073-88E9-1F0525049C7A}" type="datetimeFigureOut">
               <a:rPr lang="en-GB" smtClean="0"/>
-              <a:t>03/10/2021</a:t>
+              <a:t>05/10/2021</a:t>
             </a:fld>
             <a:endParaRPr lang="en-GB"/>
           </a:p>
@@ -2828,7 +2911,7 @@
           <a:p>
             <a:fld id="{5A5316A3-9A52-4073-88E9-1F0525049C7A}" type="datetimeFigureOut">
               <a:rPr lang="en-GB" smtClean="0"/>
-              <a:t>03/10/2021</a:t>
+              <a:t>05/10/2021</a:t>
             </a:fld>
             <a:endParaRPr lang="en-GB"/>
           </a:p>
@@ -3060,7 +3143,7 @@
           <a:p>
             <a:fld id="{5A5316A3-9A52-4073-88E9-1F0525049C7A}" type="datetimeFigureOut">
               <a:rPr lang="en-GB" smtClean="0"/>
-              <a:t>03/10/2021</a:t>
+              <a:t>05/10/2021</a:t>
             </a:fld>
             <a:endParaRPr lang="en-GB"/>
           </a:p>
@@ -3427,7 +3510,7 @@
           <a:p>
             <a:fld id="{5A5316A3-9A52-4073-88E9-1F0525049C7A}" type="datetimeFigureOut">
               <a:rPr lang="en-GB" smtClean="0"/>
-              <a:t>03/10/2021</a:t>
+              <a:t>05/10/2021</a:t>
             </a:fld>
             <a:endParaRPr lang="en-GB"/>
           </a:p>
@@ -3545,7 +3628,7 @@
           <a:p>
             <a:fld id="{5A5316A3-9A52-4073-88E9-1F0525049C7A}" type="datetimeFigureOut">
               <a:rPr lang="en-GB" smtClean="0"/>
-              <a:t>03/10/2021</a:t>
+              <a:t>05/10/2021</a:t>
             </a:fld>
             <a:endParaRPr lang="en-GB"/>
           </a:p>
@@ -3640,7 +3723,7 @@
           <a:p>
             <a:fld id="{5A5316A3-9A52-4073-88E9-1F0525049C7A}" type="datetimeFigureOut">
               <a:rPr lang="en-GB" smtClean="0"/>
-              <a:t>03/10/2021</a:t>
+              <a:t>05/10/2021</a:t>
             </a:fld>
             <a:endParaRPr lang="en-GB"/>
           </a:p>
@@ -3917,7 +4000,7 @@
           <a:p>
             <a:fld id="{5A5316A3-9A52-4073-88E9-1F0525049C7A}" type="datetimeFigureOut">
               <a:rPr lang="en-GB" smtClean="0"/>
-              <a:t>03/10/2021</a:t>
+              <a:t>05/10/2021</a:t>
             </a:fld>
             <a:endParaRPr lang="en-GB"/>
           </a:p>
@@ -4170,7 +4253,7 @@
           <a:p>
             <a:fld id="{5A5316A3-9A52-4073-88E9-1F0525049C7A}" type="datetimeFigureOut">
               <a:rPr lang="en-GB" smtClean="0"/>
-              <a:t>03/10/2021</a:t>
+              <a:t>05/10/2021</a:t>
             </a:fld>
             <a:endParaRPr lang="en-GB"/>
           </a:p>
@@ -4383,7 +4466,7 @@
           <a:p>
             <a:fld id="{5A5316A3-9A52-4073-88E9-1F0525049C7A}" type="datetimeFigureOut">
               <a:rPr lang="en-GB" smtClean="0"/>
-              <a:t>03/10/2021</a:t>
+              <a:t>05/10/2021</a:t>
             </a:fld>
             <a:endParaRPr lang="en-GB"/>
           </a:p>
@@ -7613,23 +7696,18 @@
         </p:nvSpPr>
         <p:spPr/>
         <p:txBody>
-          <a:bodyPr>
-            <a:normAutofit/>
-          </a:bodyPr>
+          <a:bodyPr/>
           <a:lstStyle/>
           <a:p>
-            <a:r>
-              <a:rPr lang="en-GB" sz="3600" dirty="0"/>
-              <a:t>Mach bands</a:t>
-            </a:r>
+            <a:endParaRPr lang="en-GB"/>
           </a:p>
         </p:txBody>
       </p:sp>
       <p:pic>
         <p:nvPicPr>
-          <p:cNvPr id="7" name="Content Placeholder 3"/>
+          <p:cNvPr id="15362" name="Picture 2" descr="http://www.rci.rutgers.edu/%7Euzwiak/NBSummer15/NBSummerLect4_files/image012.jpg"/>
           <p:cNvPicPr>
-            <a:picLocks noChangeAspect="1"/>
+            <a:picLocks noChangeAspect="1" noChangeArrowheads="1"/>
           </p:cNvPicPr>
           <p:nvPr/>
         </p:nvPicPr>
@@ -7641,164 +7719,102 @@
               </a:ext>
             </a:extLst>
           </a:blip>
+          <a:srcRect/>
           <a:stretch>
             <a:fillRect/>
           </a:stretch>
         </p:blipFill>
-        <p:spPr>
-          <a:xfrm>
-            <a:off x="1060768" y="5854197"/>
-            <a:ext cx="675030" cy="918041"/>
+        <p:spPr bwMode="auto">
+          <a:xfrm>
+            <a:off x="6224586" y="1027906"/>
+            <a:ext cx="5000625" cy="5886450"/>
           </a:xfrm>
           <a:prstGeom prst="rect">
             <a:avLst/>
           </a:prstGeom>
+          <a:noFill/>
+          <a:extLst>
+            <a:ext uri="{909E8E84-426E-40DD-AFC4-6F175D3DCCD1}">
+              <a14:hiddenFill xmlns:a14="http://schemas.microsoft.com/office/drawing/2010/main">
+                <a:solidFill>
+                  <a:srgbClr val="FFFFFF"/>
+                </a:solidFill>
+              </a14:hiddenFill>
+            </a:ext>
+          </a:extLst>
         </p:spPr>
       </p:pic>
       <p:pic>
         <p:nvPicPr>
-          <p:cNvPr id="8" name="Picture 7"/>
+          <p:cNvPr id="15364" name="Picture 4" descr="http://www.rci.rutgers.edu/%7Euzwiak/NBSummer15/NBSummerLect4_files/image010.jpg"/>
           <p:cNvPicPr>
-            <a:picLocks noChangeAspect="1"/>
+            <a:picLocks noChangeAspect="1" noChangeArrowheads="1"/>
           </p:cNvPicPr>
           <p:nvPr/>
         </p:nvPicPr>
         <p:blipFill>
-          <a:blip r:embed="rId4"/>
+          <a:blip r:embed="rId4">
+            <a:extLst>
+              <a:ext uri="{28A0092B-C50C-407E-A947-70E740481C1C}">
+                <a14:useLocalDpi xmlns:a14="http://schemas.microsoft.com/office/drawing/2010/main" val="0"/>
+              </a:ext>
+            </a:extLst>
+          </a:blip>
+          <a:srcRect/>
           <a:stretch>
             <a:fillRect/>
           </a:stretch>
         </p:blipFill>
-        <p:spPr>
-          <a:xfrm>
-            <a:off x="126017" y="5816434"/>
-            <a:ext cx="804605" cy="993566"/>
-          </a:xfrm>
-          <a:prstGeom prst="rect">
-            <a:avLst/>
-          </a:prstGeom>
-        </p:spPr>
-      </p:pic>
-      <p:pic>
-        <p:nvPicPr>
-          <p:cNvPr id="4" name="Picture 3">
-            <a:extLst>
-              <a:ext uri="{FF2B5EF4-FFF2-40B4-BE49-F238E27FC236}">
-                <a16:creationId xmlns:a16="http://schemas.microsoft.com/office/drawing/2014/main" id="{4312AD24-EF94-41AE-9926-534B294FFFD7}"/>
-              </a:ext>
-            </a:extLst>
-          </p:cNvPr>
-          <p:cNvPicPr>
-            <a:picLocks noChangeAspect="1"/>
-          </p:cNvPicPr>
-          <p:nvPr/>
-        </p:nvPicPr>
-        <p:blipFill>
-          <a:blip r:embed="rId5"/>
-          <a:stretch>
-            <a:fillRect/>
-          </a:stretch>
-        </p:blipFill>
-        <p:spPr>
-          <a:xfrm>
-            <a:off x="5446733" y="3429000"/>
-            <a:ext cx="6019800" cy="2847975"/>
-          </a:xfrm>
-          <a:prstGeom prst="rect">
-            <a:avLst/>
-          </a:prstGeom>
-        </p:spPr>
-      </p:pic>
-      <p:pic>
-        <p:nvPicPr>
-          <p:cNvPr id="5" name="Picture 4">
-            <a:extLst>
-              <a:ext uri="{FF2B5EF4-FFF2-40B4-BE49-F238E27FC236}">
-                <a16:creationId xmlns:a16="http://schemas.microsoft.com/office/drawing/2014/main" id="{F675F947-7EA1-49A1-B805-F31AA19090D0}"/>
-              </a:ext>
-            </a:extLst>
-          </p:cNvPr>
-          <p:cNvPicPr>
-            <a:picLocks noChangeAspect="1"/>
-          </p:cNvPicPr>
-          <p:nvPr/>
-        </p:nvPicPr>
-        <p:blipFill>
-          <a:blip r:embed="rId6"/>
-          <a:stretch>
-            <a:fillRect/>
-          </a:stretch>
-        </p:blipFill>
-        <p:spPr>
-          <a:xfrm>
-            <a:off x="5507983" y="806250"/>
-            <a:ext cx="5981700" cy="2657475"/>
-          </a:xfrm>
-          <a:prstGeom prst="rect">
-            <a:avLst/>
-          </a:prstGeom>
-        </p:spPr>
-      </p:pic>
-      <p:sp>
-        <p:nvSpPr>
-          <p:cNvPr id="9" name="TextBox 8">
-            <a:extLst>
-              <a:ext uri="{FF2B5EF4-FFF2-40B4-BE49-F238E27FC236}">
-                <a16:creationId xmlns:a16="http://schemas.microsoft.com/office/drawing/2014/main" id="{2FFB3202-8BE3-462F-A531-397E838FD6BC}"/>
-              </a:ext>
-            </a:extLst>
-          </p:cNvPr>
-          <p:cNvSpPr txBox="1"/>
-          <p:nvPr/>
-        </p:nvSpPr>
-        <p:spPr>
-          <a:xfrm>
-            <a:off x="930621" y="2134987"/>
-            <a:ext cx="4403379" cy="1569660"/>
+        <p:spPr bwMode="auto">
+          <a:xfrm>
+            <a:off x="1119186" y="489857"/>
+            <a:ext cx="5105400" cy="5838826"/>
           </a:xfrm>
           <a:prstGeom prst="rect">
             <a:avLst/>
           </a:prstGeom>
           <a:noFill/>
+          <a:extLst>
+            <a:ext uri="{909E8E84-426E-40DD-AFC4-6F175D3DCCD1}">
+              <a14:hiddenFill xmlns:a14="http://schemas.microsoft.com/office/drawing/2010/main">
+                <a:solidFill>
+                  <a:srgbClr val="FFFFFF"/>
+                </a:solidFill>
+              </a14:hiddenFill>
+            </a:ext>
+          </a:extLst>
+        </p:spPr>
+      </p:pic>
+      <p:sp>
+        <p:nvSpPr>
+          <p:cNvPr id="3" name="Rectangle 2"/>
+          <p:cNvSpPr/>
+          <p:nvPr/>
+        </p:nvSpPr>
+        <p:spPr>
+          <a:xfrm>
+            <a:off x="191858" y="5698190"/>
+            <a:ext cx="3480028" cy="923330"/>
+          </a:xfrm>
+          <a:prstGeom prst="rect">
+            <a:avLst/>
+          </a:prstGeom>
         </p:spPr>
         <p:txBody>
-          <a:bodyPr wrap="square" rtlCol="0">
+          <a:bodyPr wrap="square">
             <a:spAutoFit/>
           </a:bodyPr>
           <a:lstStyle/>
           <a:p>
             <a:r>
-              <a:rPr lang="en-GB" sz="2400" dirty="0"/>
-              <a:t>Mach bands are </a:t>
-            </a:r>
-            <a:r>
-              <a:rPr lang="en-GB" sz="2400" dirty="0">
-                <a:solidFill>
-                  <a:srgbClr val="FF0000"/>
-                </a:solidFill>
+              <a:rPr lang="en-GB" dirty="0">
+                <a:hlinkClick r:id="rId5"/>
               </a:rPr>
-              <a:t>not</a:t>
-            </a:r>
-            <a:r>
-              <a:rPr lang="en-GB" sz="2400" dirty="0"/>
-              <a:t> in the image: your vision introduces them</a:t>
-            </a:r>
-          </a:p>
-          <a:p>
-            <a:endParaRPr lang="en-GB" sz="2400" dirty="0"/>
-          </a:p>
-          <a:p>
-            <a:r>
-              <a:rPr lang="en-GB" sz="2400" dirty="0"/>
-              <a:t>Result of </a:t>
-            </a:r>
-            <a:r>
-              <a:rPr lang="en-GB" sz="2400" dirty="0">
-                <a:solidFill>
-                  <a:srgbClr val="6666FF"/>
-                </a:solidFill>
-              </a:rPr>
-              <a:t>brightness adaption</a:t>
+              <a:t>http://www.rci.rutgers.edu/~uzwiak/NBSummer15/NBSummerLect4.html</a:t>
+            </a:r>
+            <a:r>
+              <a:rPr lang="en-GB" dirty="0"/>
+              <a:t> </a:t>
             </a:r>
           </a:p>
         </p:txBody>
@@ -7806,186 +7822,13 @@
     </p:spTree>
     <p:extLst>
       <p:ext uri="{BB962C8B-B14F-4D97-AF65-F5344CB8AC3E}">
-        <p14:creationId xmlns:p14="http://schemas.microsoft.com/office/powerpoint/2010/main" val="3864142885"/>
+        <p14:creationId xmlns:p14="http://schemas.microsoft.com/office/powerpoint/2010/main" val="2192010300"/>
       </p:ext>
     </p:extLst>
   </p:cSld>
   <p:clrMapOvr>
     <a:masterClrMapping/>
   </p:clrMapOvr>
-  <p:timing>
-    <p:tnLst>
-      <p:par>
-        <p:cTn id="1" dur="indefinite" restart="never" nodeType="tmRoot">
-          <p:childTnLst>
-            <p:seq concurrent="1" nextAc="seek">
-              <p:cTn id="2" dur="indefinite" nodeType="mainSeq">
-                <p:childTnLst>
-                  <p:par>
-                    <p:cTn id="3" fill="hold">
-                      <p:stCondLst>
-                        <p:cond delay="indefinite"/>
-                      </p:stCondLst>
-                      <p:childTnLst>
-                        <p:par>
-                          <p:cTn id="4" fill="hold">
-                            <p:stCondLst>
-                              <p:cond delay="0"/>
-                            </p:stCondLst>
-                            <p:childTnLst>
-                              <p:par>
-                                <p:cTn id="5" presetID="1" presetClass="entr" presetSubtype="0" fill="hold" nodeType="clickEffect">
-                                  <p:stCondLst>
-                                    <p:cond delay="0"/>
-                                  </p:stCondLst>
-                                  <p:childTnLst>
-                                    <p:set>
-                                      <p:cBhvr>
-                                        <p:cTn id="6" dur="1" fill="hold">
-                                          <p:stCondLst>
-                                            <p:cond delay="0"/>
-                                          </p:stCondLst>
-                                        </p:cTn>
-                                        <p:tgtEl>
-                                          <p:spTgt spid="4"/>
-                                        </p:tgtEl>
-                                        <p:attrNameLst>
-                                          <p:attrName>style.visibility</p:attrName>
-                                        </p:attrNameLst>
-                                      </p:cBhvr>
-                                      <p:to>
-                                        <p:strVal val="visible"/>
-                                      </p:to>
-                                    </p:set>
-                                  </p:childTnLst>
-                                </p:cTn>
-                              </p:par>
-                            </p:childTnLst>
-                          </p:cTn>
-                        </p:par>
-                      </p:childTnLst>
-                    </p:cTn>
-                  </p:par>
-                  <p:par>
-                    <p:cTn id="7" fill="hold">
-                      <p:stCondLst>
-                        <p:cond delay="indefinite"/>
-                      </p:stCondLst>
-                      <p:childTnLst>
-                        <p:par>
-                          <p:cTn id="8" fill="hold">
-                            <p:stCondLst>
-                              <p:cond delay="0"/>
-                            </p:stCondLst>
-                            <p:childTnLst>
-                              <p:par>
-                                <p:cTn id="9" presetID="1" presetClass="entr" presetSubtype="0" fill="hold" nodeType="clickEffect">
-                                  <p:stCondLst>
-                                    <p:cond delay="0"/>
-                                  </p:stCondLst>
-                                  <p:childTnLst>
-                                    <p:set>
-                                      <p:cBhvr>
-                                        <p:cTn id="10" dur="1" fill="hold">
-                                          <p:stCondLst>
-                                            <p:cond delay="0"/>
-                                          </p:stCondLst>
-                                        </p:cTn>
-                                        <p:tgtEl>
-                                          <p:spTgt spid="9">
-                                            <p:txEl>
-                                              <p:pRg st="0" end="0"/>
-                                            </p:txEl>
-                                          </p:spTgt>
-                                        </p:tgtEl>
-                                        <p:attrNameLst>
-                                          <p:attrName>style.visibility</p:attrName>
-                                        </p:attrNameLst>
-                                      </p:cBhvr>
-                                      <p:to>
-                                        <p:strVal val="visible"/>
-                                      </p:to>
-                                    </p:set>
-                                  </p:childTnLst>
-                                </p:cTn>
-                              </p:par>
-                            </p:childTnLst>
-                          </p:cTn>
-                        </p:par>
-                      </p:childTnLst>
-                    </p:cTn>
-                  </p:par>
-                  <p:par>
-                    <p:cTn id="11" fill="hold">
-                      <p:stCondLst>
-                        <p:cond delay="indefinite"/>
-                      </p:stCondLst>
-                      <p:childTnLst>
-                        <p:par>
-                          <p:cTn id="12" fill="hold">
-                            <p:stCondLst>
-                              <p:cond delay="0"/>
-                            </p:stCondLst>
-                            <p:childTnLst>
-                              <p:par>
-                                <p:cTn id="13" presetID="1" presetClass="entr" presetSubtype="0" fill="hold" nodeType="clickEffect">
-                                  <p:stCondLst>
-                                    <p:cond delay="0"/>
-                                  </p:stCondLst>
-                                  <p:childTnLst>
-                                    <p:set>
-                                      <p:cBhvr>
-                                        <p:cTn id="14" dur="1" fill="hold">
-                                          <p:stCondLst>
-                                            <p:cond delay="0"/>
-                                          </p:stCondLst>
-                                        </p:cTn>
-                                        <p:tgtEl>
-                                          <p:spTgt spid="9">
-                                            <p:txEl>
-                                              <p:pRg st="2" end="2"/>
-                                            </p:txEl>
-                                          </p:spTgt>
-                                        </p:tgtEl>
-                                        <p:attrNameLst>
-                                          <p:attrName>style.visibility</p:attrName>
-                                        </p:attrNameLst>
-                                      </p:cBhvr>
-                                      <p:to>
-                                        <p:strVal val="visible"/>
-                                      </p:to>
-                                    </p:set>
-                                  </p:childTnLst>
-                                </p:cTn>
-                              </p:par>
-                            </p:childTnLst>
-                          </p:cTn>
-                        </p:par>
-                      </p:childTnLst>
-                    </p:cTn>
-                  </p:par>
-                </p:childTnLst>
-              </p:cTn>
-              <p:prevCondLst>
-                <p:cond evt="onPrev" delay="0">
-                  <p:tgtEl>
-                    <p:sldTgt/>
-                  </p:tgtEl>
-                </p:cond>
-              </p:prevCondLst>
-              <p:nextCondLst>
-                <p:cond evt="onNext" delay="0">
-                  <p:tgtEl>
-                    <p:sldTgt/>
-                  </p:tgtEl>
-                </p:cond>
-              </p:nextCondLst>
-            </p:seq>
-          </p:childTnLst>
-        </p:cTn>
-      </p:par>
-    </p:tnLst>
-  </p:timing>
 </p:sld>
 </file>
 
@@ -8021,171 +7864,6 @@
           <a:bodyPr/>
           <a:lstStyle/>
           <a:p>
-            <a:endParaRPr lang="en-GB"/>
-          </a:p>
-        </p:txBody>
-      </p:sp>
-      <p:pic>
-        <p:nvPicPr>
-          <p:cNvPr id="15362" name="Picture 2" descr="http://www.rci.rutgers.edu/%7Euzwiak/NBSummer15/NBSummerLect4_files/image012.jpg"/>
-          <p:cNvPicPr>
-            <a:picLocks noChangeAspect="1" noChangeArrowheads="1"/>
-          </p:cNvPicPr>
-          <p:nvPr/>
-        </p:nvPicPr>
-        <p:blipFill>
-          <a:blip r:embed="rId3">
-            <a:extLst>
-              <a:ext uri="{28A0092B-C50C-407E-A947-70E740481C1C}">
-                <a14:useLocalDpi xmlns:a14="http://schemas.microsoft.com/office/drawing/2010/main" val="0"/>
-              </a:ext>
-            </a:extLst>
-          </a:blip>
-          <a:srcRect/>
-          <a:stretch>
-            <a:fillRect/>
-          </a:stretch>
-        </p:blipFill>
-        <p:spPr bwMode="auto">
-          <a:xfrm>
-            <a:off x="6224586" y="1027906"/>
-            <a:ext cx="5000625" cy="5886450"/>
-          </a:xfrm>
-          <a:prstGeom prst="rect">
-            <a:avLst/>
-          </a:prstGeom>
-          <a:noFill/>
-          <a:extLst>
-            <a:ext uri="{909E8E84-426E-40DD-AFC4-6F175D3DCCD1}">
-              <a14:hiddenFill xmlns:a14="http://schemas.microsoft.com/office/drawing/2010/main">
-                <a:solidFill>
-                  <a:srgbClr val="FFFFFF"/>
-                </a:solidFill>
-              </a14:hiddenFill>
-            </a:ext>
-          </a:extLst>
-        </p:spPr>
-      </p:pic>
-      <p:pic>
-        <p:nvPicPr>
-          <p:cNvPr id="15364" name="Picture 4" descr="http://www.rci.rutgers.edu/%7Euzwiak/NBSummer15/NBSummerLect4_files/image010.jpg"/>
-          <p:cNvPicPr>
-            <a:picLocks noChangeAspect="1" noChangeArrowheads="1"/>
-          </p:cNvPicPr>
-          <p:nvPr/>
-        </p:nvPicPr>
-        <p:blipFill>
-          <a:blip r:embed="rId4">
-            <a:extLst>
-              <a:ext uri="{28A0092B-C50C-407E-A947-70E740481C1C}">
-                <a14:useLocalDpi xmlns:a14="http://schemas.microsoft.com/office/drawing/2010/main" val="0"/>
-              </a:ext>
-            </a:extLst>
-          </a:blip>
-          <a:srcRect/>
-          <a:stretch>
-            <a:fillRect/>
-          </a:stretch>
-        </p:blipFill>
-        <p:spPr bwMode="auto">
-          <a:xfrm>
-            <a:off x="1119186" y="489857"/>
-            <a:ext cx="5105400" cy="5838826"/>
-          </a:xfrm>
-          <a:prstGeom prst="rect">
-            <a:avLst/>
-          </a:prstGeom>
-          <a:noFill/>
-          <a:extLst>
-            <a:ext uri="{909E8E84-426E-40DD-AFC4-6F175D3DCCD1}">
-              <a14:hiddenFill xmlns:a14="http://schemas.microsoft.com/office/drawing/2010/main">
-                <a:solidFill>
-                  <a:srgbClr val="FFFFFF"/>
-                </a:solidFill>
-              </a14:hiddenFill>
-            </a:ext>
-          </a:extLst>
-        </p:spPr>
-      </p:pic>
-      <p:sp>
-        <p:nvSpPr>
-          <p:cNvPr id="3" name="Rectangle 2"/>
-          <p:cNvSpPr/>
-          <p:nvPr/>
-        </p:nvSpPr>
-        <p:spPr>
-          <a:xfrm>
-            <a:off x="191858" y="5698190"/>
-            <a:ext cx="3480028" cy="923330"/>
-          </a:xfrm>
-          <a:prstGeom prst="rect">
-            <a:avLst/>
-          </a:prstGeom>
-        </p:spPr>
-        <p:txBody>
-          <a:bodyPr wrap="square">
-            <a:spAutoFit/>
-          </a:bodyPr>
-          <a:lstStyle/>
-          <a:p>
-            <a:r>
-              <a:rPr lang="en-GB" dirty="0">
-                <a:hlinkClick r:id="rId5"/>
-              </a:rPr>
-              <a:t>http://www.rci.rutgers.edu/~uzwiak/NBSummer15/NBSummerLect4.html</a:t>
-            </a:r>
-            <a:r>
-              <a:rPr lang="en-GB" dirty="0"/>
-              <a:t> </a:t>
-            </a:r>
-          </a:p>
-        </p:txBody>
-      </p:sp>
-    </p:spTree>
-    <p:extLst>
-      <p:ext uri="{BB962C8B-B14F-4D97-AF65-F5344CB8AC3E}">
-        <p14:creationId xmlns:p14="http://schemas.microsoft.com/office/powerpoint/2010/main" val="2192010300"/>
-      </p:ext>
-    </p:extLst>
-  </p:cSld>
-  <p:clrMapOvr>
-    <a:masterClrMapping/>
-  </p:clrMapOvr>
-</p:sld>
-</file>
-
-<file path=ppt/slides/slide15.xml><?xml version="1.0" encoding="utf-8"?>
-<p:sld xmlns:a="http://schemas.openxmlformats.org/drawingml/2006/main" xmlns:r="http://schemas.openxmlformats.org/officeDocument/2006/relationships" xmlns:p="http://schemas.openxmlformats.org/presentationml/2006/main">
-  <p:cSld>
-    <p:spTree>
-      <p:nvGrpSpPr>
-        <p:cNvPr id="1" name=""/>
-        <p:cNvGrpSpPr/>
-        <p:nvPr/>
-      </p:nvGrpSpPr>
-      <p:grpSpPr>
-        <a:xfrm>
-          <a:off x="0" y="0"/>
-          <a:ext cx="0" cy="0"/>
-          <a:chOff x="0" y="0"/>
-          <a:chExt cx="0" cy="0"/>
-        </a:xfrm>
-      </p:grpSpPr>
-      <p:sp>
-        <p:nvSpPr>
-          <p:cNvPr id="2" name="Title 1"/>
-          <p:cNvSpPr>
-            <a:spLocks noGrp="1"/>
-          </p:cNvSpPr>
-          <p:nvPr>
-            <p:ph type="title"/>
-          </p:nvPr>
-        </p:nvSpPr>
-        <p:spPr/>
-        <p:txBody>
-          <a:bodyPr/>
-          <a:lstStyle/>
-          <a:p>
             <a:r>
               <a:rPr lang="en-GB" dirty="0"/>
               <a:t>Cortices</a:t>
@@ -8281,7 +7959,7 @@
 </p:sld>
 </file>
 
-<file path=ppt/slides/slide16.xml><?xml version="1.0" encoding="utf-8"?>
+<file path=ppt/slides/slide15.xml><?xml version="1.0" encoding="utf-8"?>
 <p:sld xmlns:a="http://schemas.openxmlformats.org/drawingml/2006/main" xmlns:r="http://schemas.openxmlformats.org/officeDocument/2006/relationships" xmlns:p="http://schemas.openxmlformats.org/presentationml/2006/main">
   <p:cSld>
     <p:spTree>
@@ -8603,7 +8281,7 @@
 </p:sld>
 </file>
 
-<file path=ppt/slides/slide17.xml><?xml version="1.0" encoding="utf-8"?>
+<file path=ppt/slides/slide16.xml><?xml version="1.0" encoding="utf-8"?>
 <p:sld xmlns:a="http://schemas.openxmlformats.org/drawingml/2006/main" xmlns:r="http://schemas.openxmlformats.org/officeDocument/2006/relationships" xmlns:p="http://schemas.openxmlformats.org/presentationml/2006/main">
   <p:cSld>
     <p:spTree>
@@ -9256,6 +8934,411 @@
       <p:bldP spid="8" grpId="0"/>
       <p:bldP spid="9" grpId="0"/>
     </p:bldLst>
+  </p:timing>
+</p:sld>
+</file>
+
+<file path=ppt/slides/slide17.xml><?xml version="1.0" encoding="utf-8"?>
+<p:sld xmlns:a="http://schemas.openxmlformats.org/drawingml/2006/main" xmlns:r="http://schemas.openxmlformats.org/officeDocument/2006/relationships" xmlns:p="http://schemas.openxmlformats.org/presentationml/2006/main">
+  <p:cSld>
+    <p:spTree>
+      <p:nvGrpSpPr>
+        <p:cNvPr id="1" name=""/>
+        <p:cNvGrpSpPr/>
+        <p:nvPr/>
+      </p:nvGrpSpPr>
+      <p:grpSpPr>
+        <a:xfrm>
+          <a:off x="0" y="0"/>
+          <a:ext cx="0" cy="0"/>
+          <a:chOff x="0" y="0"/>
+          <a:chExt cx="0" cy="0"/>
+        </a:xfrm>
+      </p:grpSpPr>
+      <p:sp>
+        <p:nvSpPr>
+          <p:cNvPr id="2" name="Title 1"/>
+          <p:cNvSpPr>
+            <a:spLocks noGrp="1"/>
+          </p:cNvSpPr>
+          <p:nvPr>
+            <p:ph type="title"/>
+          </p:nvPr>
+        </p:nvSpPr>
+        <p:spPr/>
+        <p:txBody>
+          <a:bodyPr>
+            <a:normAutofit/>
+          </a:bodyPr>
+          <a:lstStyle/>
+          <a:p>
+            <a:r>
+              <a:rPr lang="en-GB" sz="3600" dirty="0"/>
+              <a:t>Mach bands</a:t>
+            </a:r>
+          </a:p>
+        </p:txBody>
+      </p:sp>
+      <p:pic>
+        <p:nvPicPr>
+          <p:cNvPr id="7" name="Content Placeholder 3"/>
+          <p:cNvPicPr>
+            <a:picLocks noChangeAspect="1"/>
+          </p:cNvPicPr>
+          <p:nvPr/>
+        </p:nvPicPr>
+        <p:blipFill>
+          <a:blip r:embed="rId3">
+            <a:extLst>
+              <a:ext uri="{28A0092B-C50C-407E-A947-70E740481C1C}">
+                <a14:useLocalDpi xmlns:a14="http://schemas.microsoft.com/office/drawing/2010/main" val="0"/>
+              </a:ext>
+            </a:extLst>
+          </a:blip>
+          <a:stretch>
+            <a:fillRect/>
+          </a:stretch>
+        </p:blipFill>
+        <p:spPr>
+          <a:xfrm>
+            <a:off x="1060768" y="5854197"/>
+            <a:ext cx="675030" cy="918041"/>
+          </a:xfrm>
+          <a:prstGeom prst="rect">
+            <a:avLst/>
+          </a:prstGeom>
+        </p:spPr>
+      </p:pic>
+      <p:pic>
+        <p:nvPicPr>
+          <p:cNvPr id="8" name="Picture 7"/>
+          <p:cNvPicPr>
+            <a:picLocks noChangeAspect="1"/>
+          </p:cNvPicPr>
+          <p:nvPr/>
+        </p:nvPicPr>
+        <p:blipFill>
+          <a:blip r:embed="rId4"/>
+          <a:stretch>
+            <a:fillRect/>
+          </a:stretch>
+        </p:blipFill>
+        <p:spPr>
+          <a:xfrm>
+            <a:off x="126017" y="5816434"/>
+            <a:ext cx="804605" cy="993566"/>
+          </a:xfrm>
+          <a:prstGeom prst="rect">
+            <a:avLst/>
+          </a:prstGeom>
+        </p:spPr>
+      </p:pic>
+      <p:pic>
+        <p:nvPicPr>
+          <p:cNvPr id="4" name="Picture 3">
+            <a:extLst>
+              <a:ext uri="{FF2B5EF4-FFF2-40B4-BE49-F238E27FC236}">
+                <a16:creationId xmlns:a16="http://schemas.microsoft.com/office/drawing/2014/main" id="{4312AD24-EF94-41AE-9926-534B294FFFD7}"/>
+              </a:ext>
+            </a:extLst>
+          </p:cNvPr>
+          <p:cNvPicPr>
+            <a:picLocks noChangeAspect="1"/>
+          </p:cNvPicPr>
+          <p:nvPr/>
+        </p:nvPicPr>
+        <p:blipFill>
+          <a:blip r:embed="rId5"/>
+          <a:stretch>
+            <a:fillRect/>
+          </a:stretch>
+        </p:blipFill>
+        <p:spPr>
+          <a:xfrm>
+            <a:off x="5446733" y="3429000"/>
+            <a:ext cx="6019800" cy="2847975"/>
+          </a:xfrm>
+          <a:prstGeom prst="rect">
+            <a:avLst/>
+          </a:prstGeom>
+        </p:spPr>
+      </p:pic>
+      <p:pic>
+        <p:nvPicPr>
+          <p:cNvPr id="5" name="Picture 4">
+            <a:extLst>
+              <a:ext uri="{FF2B5EF4-FFF2-40B4-BE49-F238E27FC236}">
+                <a16:creationId xmlns:a16="http://schemas.microsoft.com/office/drawing/2014/main" id="{F675F947-7EA1-49A1-B805-F31AA19090D0}"/>
+              </a:ext>
+            </a:extLst>
+          </p:cNvPr>
+          <p:cNvPicPr>
+            <a:picLocks noChangeAspect="1"/>
+          </p:cNvPicPr>
+          <p:nvPr/>
+        </p:nvPicPr>
+        <p:blipFill>
+          <a:blip r:embed="rId6"/>
+          <a:stretch>
+            <a:fillRect/>
+          </a:stretch>
+        </p:blipFill>
+        <p:spPr>
+          <a:xfrm>
+            <a:off x="5507983" y="806250"/>
+            <a:ext cx="5981700" cy="2657475"/>
+          </a:xfrm>
+          <a:prstGeom prst="rect">
+            <a:avLst/>
+          </a:prstGeom>
+        </p:spPr>
+      </p:pic>
+      <p:sp>
+        <p:nvSpPr>
+          <p:cNvPr id="9" name="TextBox 8">
+            <a:extLst>
+              <a:ext uri="{FF2B5EF4-FFF2-40B4-BE49-F238E27FC236}">
+                <a16:creationId xmlns:a16="http://schemas.microsoft.com/office/drawing/2014/main" id="{2FFB3202-8BE3-462F-A531-397E838FD6BC}"/>
+              </a:ext>
+            </a:extLst>
+          </p:cNvPr>
+          <p:cNvSpPr txBox="1"/>
+          <p:nvPr/>
+        </p:nvSpPr>
+        <p:spPr>
+          <a:xfrm>
+            <a:off x="930621" y="2134987"/>
+            <a:ext cx="4403379" cy="1569660"/>
+          </a:xfrm>
+          <a:prstGeom prst="rect">
+            <a:avLst/>
+          </a:prstGeom>
+          <a:noFill/>
+        </p:spPr>
+        <p:txBody>
+          <a:bodyPr wrap="square" rtlCol="0">
+            <a:spAutoFit/>
+          </a:bodyPr>
+          <a:lstStyle/>
+          <a:p>
+            <a:r>
+              <a:rPr lang="en-GB" sz="2400" dirty="0"/>
+              <a:t>Mach bands are </a:t>
+            </a:r>
+            <a:r>
+              <a:rPr lang="en-GB" sz="2400" dirty="0">
+                <a:solidFill>
+                  <a:srgbClr val="FF0000"/>
+                </a:solidFill>
+              </a:rPr>
+              <a:t>not</a:t>
+            </a:r>
+            <a:r>
+              <a:rPr lang="en-GB" sz="2400" dirty="0"/>
+              <a:t> in the image: your vision introduces them</a:t>
+            </a:r>
+          </a:p>
+          <a:p>
+            <a:endParaRPr lang="en-GB" sz="2400" dirty="0"/>
+          </a:p>
+          <a:p>
+            <a:r>
+              <a:rPr lang="en-GB" sz="2400" dirty="0"/>
+              <a:t>Result of </a:t>
+            </a:r>
+            <a:r>
+              <a:rPr lang="en-GB" sz="2400" dirty="0">
+                <a:solidFill>
+                  <a:srgbClr val="6666FF"/>
+                </a:solidFill>
+              </a:rPr>
+              <a:t>brightness adaption</a:t>
+            </a:r>
+          </a:p>
+        </p:txBody>
+      </p:sp>
+    </p:spTree>
+    <p:extLst>
+      <p:ext uri="{BB962C8B-B14F-4D97-AF65-F5344CB8AC3E}">
+        <p14:creationId xmlns:p14="http://schemas.microsoft.com/office/powerpoint/2010/main" val="3864142885"/>
+      </p:ext>
+    </p:extLst>
+  </p:cSld>
+  <p:clrMapOvr>
+    <a:masterClrMapping/>
+  </p:clrMapOvr>
+  <p:timing>
+    <p:tnLst>
+      <p:par>
+        <p:cTn id="1" dur="indefinite" restart="never" nodeType="tmRoot">
+          <p:childTnLst>
+            <p:seq concurrent="1" nextAc="seek">
+              <p:cTn id="2" dur="indefinite" nodeType="mainSeq">
+                <p:childTnLst>
+                  <p:par>
+                    <p:cTn id="3" fill="hold">
+                      <p:stCondLst>
+                        <p:cond delay="indefinite"/>
+                      </p:stCondLst>
+                      <p:childTnLst>
+                        <p:par>
+                          <p:cTn id="4" fill="hold">
+                            <p:stCondLst>
+                              <p:cond delay="0"/>
+                            </p:stCondLst>
+                            <p:childTnLst>
+                              <p:par>
+                                <p:cTn id="5" presetID="1" presetClass="entr" presetSubtype="0" fill="hold" nodeType="clickEffect">
+                                  <p:stCondLst>
+                                    <p:cond delay="0"/>
+                                  </p:stCondLst>
+                                  <p:childTnLst>
+                                    <p:set>
+                                      <p:cBhvr>
+                                        <p:cTn id="6" dur="1" fill="hold">
+                                          <p:stCondLst>
+                                            <p:cond delay="0"/>
+                                          </p:stCondLst>
+                                        </p:cTn>
+                                        <p:tgtEl>
+                                          <p:spTgt spid="4"/>
+                                        </p:tgtEl>
+                                        <p:attrNameLst>
+                                          <p:attrName>style.visibility</p:attrName>
+                                        </p:attrNameLst>
+                                      </p:cBhvr>
+                                      <p:to>
+                                        <p:strVal val="visible"/>
+                                      </p:to>
+                                    </p:set>
+                                  </p:childTnLst>
+                                </p:cTn>
+                              </p:par>
+                            </p:childTnLst>
+                          </p:cTn>
+                        </p:par>
+                      </p:childTnLst>
+                    </p:cTn>
+                  </p:par>
+                  <p:par>
+                    <p:cTn id="7" fill="hold">
+                      <p:stCondLst>
+                        <p:cond delay="indefinite"/>
+                      </p:stCondLst>
+                      <p:childTnLst>
+                        <p:par>
+                          <p:cTn id="8" fill="hold">
+                            <p:stCondLst>
+                              <p:cond delay="0"/>
+                            </p:stCondLst>
+                            <p:childTnLst>
+                              <p:par>
+                                <p:cTn id="9" presetID="1" presetClass="entr" presetSubtype="0" fill="hold" nodeType="clickEffect">
+                                  <p:stCondLst>
+                                    <p:cond delay="0"/>
+                                  </p:stCondLst>
+                                  <p:childTnLst>
+                                    <p:set>
+                                      <p:cBhvr>
+                                        <p:cTn id="10" dur="1" fill="hold">
+                                          <p:stCondLst>
+                                            <p:cond delay="0"/>
+                                          </p:stCondLst>
+                                        </p:cTn>
+                                        <p:tgtEl>
+                                          <p:spTgt spid="9">
+                                            <p:txEl>
+                                              <p:pRg st="0" end="0"/>
+                                            </p:txEl>
+                                          </p:spTgt>
+                                        </p:tgtEl>
+                                        <p:attrNameLst>
+                                          <p:attrName>style.visibility</p:attrName>
+                                        </p:attrNameLst>
+                                      </p:cBhvr>
+                                      <p:to>
+                                        <p:strVal val="visible"/>
+                                      </p:to>
+                                    </p:set>
+                                  </p:childTnLst>
+                                </p:cTn>
+                              </p:par>
+                            </p:childTnLst>
+                          </p:cTn>
+                        </p:par>
+                      </p:childTnLst>
+                    </p:cTn>
+                  </p:par>
+                  <p:par>
+                    <p:cTn id="11" fill="hold">
+                      <p:stCondLst>
+                        <p:cond delay="indefinite"/>
+                      </p:stCondLst>
+                      <p:childTnLst>
+                        <p:par>
+                          <p:cTn id="12" fill="hold">
+                            <p:stCondLst>
+                              <p:cond delay="0"/>
+                            </p:stCondLst>
+                            <p:childTnLst>
+                              <p:par>
+                                <p:cTn id="13" presetID="1" presetClass="entr" presetSubtype="0" fill="hold" nodeType="clickEffect">
+                                  <p:stCondLst>
+                                    <p:cond delay="0"/>
+                                  </p:stCondLst>
+                                  <p:childTnLst>
+                                    <p:set>
+                                      <p:cBhvr>
+                                        <p:cTn id="14" dur="1" fill="hold">
+                                          <p:stCondLst>
+                                            <p:cond delay="0"/>
+                                          </p:stCondLst>
+                                        </p:cTn>
+                                        <p:tgtEl>
+                                          <p:spTgt spid="9">
+                                            <p:txEl>
+                                              <p:pRg st="2" end="2"/>
+                                            </p:txEl>
+                                          </p:spTgt>
+                                        </p:tgtEl>
+                                        <p:attrNameLst>
+                                          <p:attrName>style.visibility</p:attrName>
+                                        </p:attrNameLst>
+                                      </p:cBhvr>
+                                      <p:to>
+                                        <p:strVal val="visible"/>
+                                      </p:to>
+                                    </p:set>
+                                  </p:childTnLst>
+                                </p:cTn>
+                              </p:par>
+                            </p:childTnLst>
+                          </p:cTn>
+                        </p:par>
+                      </p:childTnLst>
+                    </p:cTn>
+                  </p:par>
+                </p:childTnLst>
+              </p:cTn>
+              <p:prevCondLst>
+                <p:cond evt="onPrev" delay="0">
+                  <p:tgtEl>
+                    <p:sldTgt/>
+                  </p:tgtEl>
+                </p:cond>
+              </p:prevCondLst>
+              <p:nextCondLst>
+                <p:cond evt="onNext" delay="0">
+                  <p:tgtEl>
+                    <p:sldTgt/>
+                  </p:tgtEl>
+                </p:cond>
+              </p:nextCondLst>
+            </p:seq>
+          </p:childTnLst>
+        </p:cTn>
+      </p:par>
+    </p:tnLst>
   </p:timing>
 </p:sld>
 </file>
